--- a/Ethics/Professional Ethics-Lec 6.pptx
+++ b/Ethics/Professional Ethics-Lec 6.pptx
@@ -223,7 +223,7 @@
           <a:p>
             <a:fld id="{724276E2-B08C-4C16-BBF7-3F688541159F}" type="datetimeFigureOut">
               <a:rPr lang="en-US" smtClean="0"/>
-              <a:t>10/15/2025</a:t>
+              <a:t>10/28/2025</a:t>
             </a:fld>
             <a:endParaRPr lang="en-US"/>
           </a:p>
@@ -1130,7 +1130,7 @@
             <a:fld id="{5923F103-BC34-4FE4-A40E-EDDEECFDA5D0}" type="datetimeFigureOut">
               <a:rPr lang="en-US" dirty="0"/>
               <a:pPr/>
-              <a:t>10/15/2025</a:t>
+              <a:t>10/28/2025</a:t>
             </a:fld>
             <a:endParaRPr lang="en-US" dirty="0"/>
           </a:p>
@@ -2214,7 +2214,7 @@
           <a:p>
             <a:fld id="{923A1CC3-2375-41D4-9E03-427CAF2A4C1A}" type="datetimeFigureOut">
               <a:rPr lang="en-US" dirty="0"/>
-              <a:t>10/15/2025</a:t>
+              <a:t>10/28/2025</a:t>
             </a:fld>
             <a:endParaRPr lang="en-US" dirty="0"/>
           </a:p>
@@ -3190,7 +3190,7 @@
           <a:p>
             <a:fld id="{AFF16868-8199-4C2C-A5B1-63AEE139F88E}" type="datetimeFigureOut">
               <a:rPr lang="en-US" dirty="0"/>
-              <a:t>10/15/2025</a:t>
+              <a:t>10/28/2025</a:t>
             </a:fld>
             <a:endParaRPr lang="en-US" dirty="0"/>
           </a:p>
@@ -4320,7 +4320,7 @@
           <a:p>
             <a:fld id="{AAD9FF7F-6988-44CC-821B-644E70CD2F73}" type="datetimeFigureOut">
               <a:rPr lang="en-US" dirty="0"/>
-              <a:t>10/15/2025</a:t>
+              <a:t>10/28/2025</a:t>
             </a:fld>
             <a:endParaRPr lang="en-US" dirty="0"/>
           </a:p>
@@ -5349,7 +5349,7 @@
           <a:p>
             <a:fld id="{5C12C299-16B2-4475-990D-751901EACC14}" type="datetimeFigureOut">
               <a:rPr lang="en-US" dirty="0"/>
-              <a:t>10/15/2025</a:t>
+              <a:t>10/28/2025</a:t>
             </a:fld>
             <a:endParaRPr lang="en-US" dirty="0"/>
           </a:p>
@@ -6005,7 +6005,7 @@
           <a:p>
             <a:fld id="{9FE86839-B9D8-4651-8783-F325ECE74E65}" type="datetimeFigureOut">
               <a:rPr lang="en-US" dirty="0"/>
-              <a:t>10/15/2025</a:t>
+              <a:t>10/28/2025</a:t>
             </a:fld>
             <a:endParaRPr lang="en-US" dirty="0"/>
           </a:p>
@@ -6862,7 +6862,7 @@
           <a:p>
             <a:fld id="{FD484F64-32F6-45C5-931F-ADC1662401D0}" type="datetimeFigureOut">
               <a:rPr lang="en-US" dirty="0"/>
-              <a:t>10/15/2025</a:t>
+              <a:t>10/28/2025</a:t>
             </a:fld>
             <a:endParaRPr lang="en-US" dirty="0"/>
           </a:p>
@@ -7048,7 +7048,7 @@
           <a:p>
             <a:fld id="{53086D93-FCAC-47E0-A2EE-787E62CA814C}" type="datetimeFigureOut">
               <a:rPr lang="en-US" dirty="0"/>
-              <a:t>10/15/2025</a:t>
+              <a:t>10/28/2025</a:t>
             </a:fld>
             <a:endParaRPr lang="en-US" dirty="0"/>
           </a:p>
@@ -8016,7 +8016,7 @@
           <a:p>
             <a:fld id="{CDA879A6-0FD0-4734-A311-86BFCA472E6E}" type="datetimeFigureOut">
               <a:rPr lang="en-US" dirty="0"/>
-              <a:t>10/15/2025</a:t>
+              <a:t>10/28/2025</a:t>
             </a:fld>
             <a:endParaRPr lang="en-US" dirty="0"/>
           </a:p>
@@ -8223,7 +8223,7 @@
           <a:p>
             <a:fld id="{19C9CA7B-DFD4-44B5-8C60-D14B8CD1FB59}" type="datetimeFigureOut">
               <a:rPr lang="en-US" dirty="0"/>
-              <a:t>10/15/2025</a:t>
+              <a:t>10/28/2025</a:t>
             </a:fld>
             <a:endParaRPr lang="en-US" dirty="0"/>
           </a:p>
@@ -9253,7 +9253,7 @@
           <a:p>
             <a:fld id="{F34E6425-0181-43F2-84FC-787E803FD2F8}" type="datetimeFigureOut">
               <a:rPr lang="en-US" dirty="0"/>
-              <a:t>10/15/2025</a:t>
+              <a:t>10/28/2025</a:t>
             </a:fld>
             <a:endParaRPr lang="en-US" dirty="0"/>
           </a:p>
@@ -9521,7 +9521,7 @@
           <a:p>
             <a:fld id="{3BDB8791-F1B0-41E7-B7FD-A781E65C4266}" type="datetimeFigureOut">
               <a:rPr lang="en-US" dirty="0"/>
-              <a:t>10/15/2025</a:t>
+              <a:t>10/28/2025</a:t>
             </a:fld>
             <a:endParaRPr lang="en-US" dirty="0"/>
           </a:p>
@@ -9927,7 +9927,7 @@
           <a:p>
             <a:fld id="{5FDD63B2-E120-4ED8-B27B-C685F510A5FE}" type="datetimeFigureOut">
               <a:rPr lang="en-US" dirty="0"/>
-              <a:t>10/15/2025</a:t>
+              <a:t>10/28/2025</a:t>
             </a:fld>
             <a:endParaRPr lang="en-US" dirty="0"/>
           </a:p>
@@ -10050,7 +10050,7 @@
           <a:p>
             <a:fld id="{7AA18ACC-A947-437B-A130-35BD54FDF1E9}" type="datetimeFigureOut">
               <a:rPr lang="en-US" dirty="0"/>
-              <a:t>10/15/2025</a:t>
+              <a:t>10/28/2025</a:t>
             </a:fld>
             <a:endParaRPr lang="en-US" dirty="0"/>
           </a:p>
@@ -10141,7 +10141,7 @@
           <a:p>
             <a:fld id="{7C8D7E02-BCB8-4D50-A234-369438C08659}" type="datetimeFigureOut">
               <a:rPr lang="en-US" dirty="0"/>
-              <a:t>10/15/2025</a:t>
+              <a:t>10/28/2025</a:t>
             </a:fld>
             <a:endParaRPr lang="en-US" dirty="0"/>
           </a:p>
@@ -11218,7 +11218,7 @@
           <a:p>
             <a:fld id="{76E86A4C-8E40-4F87-A4F0-01A0687C5742}" type="datetimeFigureOut">
               <a:rPr lang="en-US" dirty="0"/>
-              <a:t>10/15/2025</a:t>
+              <a:t>10/28/2025</a:t>
             </a:fld>
             <a:endParaRPr lang="en-US" dirty="0"/>
           </a:p>
@@ -12322,7 +12322,7 @@
           <a:p>
             <a:fld id="{35E72C73-2D91-4E12-BA25-F0AA0C03599B}" type="datetimeFigureOut">
               <a:rPr lang="en-US" dirty="0"/>
-              <a:t>10/15/2025</a:t>
+              <a:t>10/28/2025</a:t>
             </a:fld>
             <a:endParaRPr lang="en-US" dirty="0"/>
           </a:p>
@@ -13315,7 +13315,7 @@
           <a:p>
             <a:fld id="{2BE451C3-0FF4-47C4-B829-773ADF60F88C}" type="datetimeFigureOut">
               <a:rPr lang="en-US" dirty="0"/>
-              <a:t>10/15/2025</a:t>
+              <a:t>10/28/2025</a:t>
             </a:fld>
             <a:endParaRPr lang="en-US" dirty="0"/>
           </a:p>
@@ -13876,7 +13876,7 @@
           <p:cNvPr id="2" name="Title 1">
             <a:extLst>
               <a:ext uri="{FF2B5EF4-FFF2-40B4-BE49-F238E27FC236}">
-                <a16:creationId xmlns:a16="http://schemas.microsoft.com/office/drawing/2014/main" xmlns="" id="{2D9F49B4-F2BE-0FD3-4BE5-FF68CD8F6E74}"/>
+                <a16:creationId xmlns="" xmlns:a16="http://schemas.microsoft.com/office/drawing/2014/main" id="{2D9F49B4-F2BE-0FD3-4BE5-FF68CD8F6E74}"/>
               </a:ext>
             </a:extLst>
           </p:cNvPr>
@@ -13924,7 +13924,7 @@
           <p:cNvPr id="3" name="Subtitle 2">
             <a:extLst>
               <a:ext uri="{FF2B5EF4-FFF2-40B4-BE49-F238E27FC236}">
-                <a16:creationId xmlns:a16="http://schemas.microsoft.com/office/drawing/2014/main" xmlns="" id="{F7B52173-3C50-5894-7262-BCDE03F8845F}"/>
+                <a16:creationId xmlns="" xmlns:a16="http://schemas.microsoft.com/office/drawing/2014/main" id="{F7B52173-3C50-5894-7262-BCDE03F8845F}"/>
               </a:ext>
             </a:extLst>
           </p:cNvPr>
@@ -13987,6 +13987,13 @@
   <p:clrMapOvr>
     <a:masterClrMapping/>
   </p:clrMapOvr>
+  <p:timing>
+    <p:tnLst>
+      <p:par>
+        <p:cTn id="1" dur="indefinite" restart="never" nodeType="tmRoot"/>
+      </p:par>
+    </p:tnLst>
+  </p:timing>
 </p:sld>
 </file>
 
@@ -14110,6 +14117,13 @@
   <p:clrMapOvr>
     <a:masterClrMapping/>
   </p:clrMapOvr>
+  <p:timing>
+    <p:tnLst>
+      <p:par>
+        <p:cTn id="1" dur="indefinite" restart="never" nodeType="tmRoot"/>
+      </p:par>
+    </p:tnLst>
+  </p:timing>
 </p:sld>
 </file>
 
@@ -14197,22 +14211,22 @@
           <a:p>
             <a:pPr algn="just"/>
             <a:r>
-              <a:rPr lang="en-US" sz="2000" b="1" dirty="0"/>
+              <a:rPr lang="en-US" sz="2000" b="1" dirty="0" smtClean="0"/>
               <a:t>Scenario:</a:t>
             </a:r>
             <a:r>
-              <a:rPr lang="en-US" sz="2000" dirty="0"/>
+              <a:rPr lang="en-US" sz="2000" dirty="0" smtClean="0"/>
               <a:t> ABC Corporation is a multinational manufacturing company known for producing consumer electronics. The company is considering expanding its operations to a developing country where labor costs are lower. However, the country has a history of labor rights violations and poor working conditions in manufacturing facilities.</a:t>
             </a:r>
           </a:p>
           <a:p>
             <a:pPr algn="just"/>
             <a:r>
-              <a:rPr lang="en-US" sz="2000" dirty="0"/>
+              <a:rPr lang="en-US" sz="2000" dirty="0" smtClean="0"/>
               <a:t>ABC Corporation's </a:t>
             </a:r>
             <a:r>
-              <a:rPr lang="en-US" sz="2000" dirty="0">
+              <a:rPr lang="en-US" sz="2000" dirty="0" smtClean="0">
                 <a:solidFill>
                   <a:srgbClr val="FF0000"/>
                 </a:solidFill>
@@ -14220,11 +14234,11 @@
               <a:t>cross-functional team</a:t>
             </a:r>
             <a:r>
-              <a:rPr lang="en-US" sz="2000" dirty="0"/>
+              <a:rPr lang="en-US" sz="2000" dirty="0" smtClean="0"/>
               <a:t>, consisting of </a:t>
             </a:r>
             <a:r>
-              <a:rPr lang="en-US" sz="2000" b="1" dirty="0">
+              <a:rPr lang="en-US" sz="2000" b="1" dirty="0" smtClean="0">
                 <a:solidFill>
                   <a:schemeClr val="accent1">
                     <a:lumMod val="75000"/>
@@ -14234,11 +14248,11 @@
               <a:t>executives from finance</a:t>
             </a:r>
             <a:r>
-              <a:rPr lang="en-US" sz="2000" dirty="0"/>
+              <a:rPr lang="en-US" sz="2000" dirty="0" smtClean="0"/>
               <a:t>, </a:t>
             </a:r>
             <a:r>
-              <a:rPr lang="en-US" sz="2000" b="1" dirty="0">
+              <a:rPr lang="en-US" sz="2000" b="1" dirty="0" smtClean="0">
                 <a:solidFill>
                   <a:schemeClr val="accent5">
                     <a:lumMod val="50000"/>
@@ -14248,11 +14262,11 @@
               <a:t>operations</a:t>
             </a:r>
             <a:r>
-              <a:rPr lang="en-US" sz="2000" dirty="0"/>
+              <a:rPr lang="en-US" sz="2000" dirty="0" smtClean="0"/>
               <a:t>, </a:t>
             </a:r>
             <a:r>
-              <a:rPr lang="en-US" sz="2000" b="1" dirty="0">
+              <a:rPr lang="en-US" sz="2000" b="1" dirty="0" smtClean="0">
                 <a:solidFill>
                   <a:srgbClr val="00B050"/>
                 </a:solidFill>
@@ -14260,11 +14274,11 @@
               <a:t>human resources</a:t>
             </a:r>
             <a:r>
-              <a:rPr lang="en-US" sz="2000" dirty="0"/>
+              <a:rPr lang="en-US" sz="2000" dirty="0" smtClean="0"/>
               <a:t>, and </a:t>
             </a:r>
             <a:r>
-              <a:rPr lang="en-US" sz="2000" b="1" dirty="0">
+              <a:rPr lang="en-US" sz="2000" b="1" dirty="0" smtClean="0">
                 <a:solidFill>
                   <a:srgbClr val="002060"/>
                 </a:solidFill>
@@ -14272,9 +14286,10 @@
               <a:t>marketing </a:t>
             </a:r>
             <a:r>
-              <a:rPr lang="en-US" sz="2000" dirty="0"/>
+              <a:rPr lang="en-US" sz="2000" dirty="0" smtClean="0"/>
               <a:t>departments, is tasked with making a decision regarding the expansion. The finance department projects significant cost savings and increased profitability by relocating manufacturing operations to the new country. However, the operations and human resources departments raise concerns about the ethical implications of operating in a region with documented labor rights abuses.</a:t>
             </a:r>
+            <a:endParaRPr lang="en-US" sz="2000" dirty="0"/>
           </a:p>
         </p:txBody>
       </p:sp>
@@ -14288,6 +14303,13 @@
   <p:clrMapOvr>
     <a:masterClrMapping/>
   </p:clrMapOvr>
+  <p:timing>
+    <p:tnLst>
+      <p:par>
+        <p:cTn id="1" dur="indefinite" restart="never" nodeType="tmRoot"/>
+      </p:par>
+    </p:tnLst>
+  </p:timing>
 </p:sld>
 </file>
 
@@ -14390,6 +14412,13 @@
   <p:clrMapOvr>
     <a:masterClrMapping/>
   </p:clrMapOvr>
+  <p:timing>
+    <p:tnLst>
+      <p:par>
+        <p:cTn id="1" dur="indefinite" restart="never" nodeType="tmRoot"/>
+      </p:par>
+    </p:tnLst>
+  </p:timing>
 </p:sld>
 </file>
 
@@ -14524,6 +14553,13 @@
   <p:clrMapOvr>
     <a:masterClrMapping/>
   </p:clrMapOvr>
+  <p:timing>
+    <p:tnLst>
+      <p:par>
+        <p:cTn id="1" dur="indefinite" restart="never" nodeType="tmRoot"/>
+      </p:par>
+    </p:tnLst>
+  </p:timing>
 </p:sld>
 </file>
 
@@ -14644,6 +14680,13 @@
   <p:clrMapOvr>
     <a:masterClrMapping/>
   </p:clrMapOvr>
+  <p:timing>
+    <p:tnLst>
+      <p:par>
+        <p:cTn id="1" dur="indefinite" restart="never" nodeType="tmRoot"/>
+      </p:par>
+    </p:tnLst>
+  </p:timing>
 </p:sld>
 </file>
 
@@ -14700,6 +14743,13 @@
   <p:clrMapOvr>
     <a:masterClrMapping/>
   </p:clrMapOvr>
+  <p:timing>
+    <p:tnLst>
+      <p:par>
+        <p:cTn id="1" dur="indefinite" restart="never" nodeType="tmRoot"/>
+      </p:par>
+    </p:tnLst>
+  </p:timing>
 </p:sld>
 </file>
 
@@ -14791,6 +14841,13 @@
   <p:clrMapOvr>
     <a:masterClrMapping/>
   </p:clrMapOvr>
+  <p:timing>
+    <p:tnLst>
+      <p:par>
+        <p:cTn id="1" dur="indefinite" restart="never" nodeType="tmRoot"/>
+      </p:par>
+    </p:tnLst>
+  </p:timing>
 </p:sld>
 </file>
 
@@ -15312,6 +15369,13 @@
   <p:clrMapOvr>
     <a:masterClrMapping/>
   </p:clrMapOvr>
+  <p:timing>
+    <p:tnLst>
+      <p:par>
+        <p:cTn id="1" dur="indefinite" restart="never" nodeType="tmRoot"/>
+      </p:par>
+    </p:tnLst>
+  </p:timing>
 </p:sld>
 </file>
 
@@ -15351,7 +15415,6 @@
               <a:rPr lang="en-US" b="1" dirty="0"/>
               <a:t>Acute Stage (Crisis Occurs)</a:t>
             </a:r>
-            <a:endParaRPr lang="en-US" b="1" dirty="0"/>
           </a:p>
         </p:txBody>
       </p:sp>
@@ -15452,7 +15515,6 @@
               <a:rPr lang="en-US" b="1" dirty="0"/>
               <a:t>Chronic Stage (Ongoing Impact)</a:t>
             </a:r>
-            <a:endParaRPr lang="en-US" b="1" dirty="0"/>
           </a:p>
         </p:txBody>
       </p:sp>
@@ -15550,7 +15612,6 @@
               <a:rPr lang="en-US" b="1" dirty="0"/>
               <a:t>Conflict Resolution (Recovery and Learning)</a:t>
             </a:r>
-            <a:endParaRPr lang="en-US" b="1" dirty="0"/>
           </a:p>
         </p:txBody>
       </p:sp>
@@ -18213,6 +18274,13 @@
   <p:clrMapOvr>
     <a:masterClrMapping/>
   </p:clrMapOvr>
+  <p:timing>
+    <p:tnLst>
+      <p:par>
+        <p:cTn id="1" dur="indefinite" restart="never" nodeType="tmRoot"/>
+      </p:par>
+    </p:tnLst>
+  </p:timing>
 </p:sld>
 </file>
 
@@ -18319,6 +18387,13 @@
   <p:clrMapOvr>
     <a:masterClrMapping/>
   </p:clrMapOvr>
+  <p:timing>
+    <p:tnLst>
+      <p:par>
+        <p:cTn id="1" dur="indefinite" restart="never" nodeType="tmRoot"/>
+      </p:par>
+    </p:tnLst>
+  </p:timing>
 </p:sld>
 </file>
 
@@ -18475,6 +18550,13 @@
   <p:clrMapOvr>
     <a:masterClrMapping/>
   </p:clrMapOvr>
+  <p:timing>
+    <p:tnLst>
+      <p:par>
+        <p:cTn id="1" dur="indefinite" restart="never" nodeType="tmRoot"/>
+      </p:par>
+    </p:tnLst>
+  </p:timing>
 </p:sld>
 </file>
 
@@ -18622,6 +18704,13 @@
   <p:clrMapOvr>
     <a:masterClrMapping/>
   </p:clrMapOvr>
+  <p:timing>
+    <p:tnLst>
+      <p:par>
+        <p:cTn id="1" dur="indefinite" restart="never" nodeType="tmRoot"/>
+      </p:par>
+    </p:tnLst>
+  </p:timing>
 </p:sld>
 </file>
 
@@ -18749,6 +18838,13 @@
   <p:clrMapOvr>
     <a:masterClrMapping/>
   </p:clrMapOvr>
+  <p:timing>
+    <p:tnLst>
+      <p:par>
+        <p:cTn id="1" dur="indefinite" restart="never" nodeType="tmRoot"/>
+      </p:par>
+    </p:tnLst>
+  </p:timing>
 </p:sld>
 </file>
 
@@ -18877,6 +18973,13 @@
   <p:clrMapOvr>
     <a:masterClrMapping/>
   </p:clrMapOvr>
+  <p:timing>
+    <p:tnLst>
+      <p:par>
+        <p:cTn id="1" dur="indefinite" restart="never" nodeType="tmRoot"/>
+      </p:par>
+    </p:tnLst>
+  </p:timing>
 </p:sld>
 </file>
 
@@ -18979,6 +19082,13 @@
   <p:clrMapOvr>
     <a:masterClrMapping/>
   </p:clrMapOvr>
+  <p:timing>
+    <p:tnLst>
+      <p:par>
+        <p:cTn id="1" dur="indefinite" restart="never" nodeType="tmRoot"/>
+      </p:par>
+    </p:tnLst>
+  </p:timing>
 </p:sld>
 </file>
 
